--- a/BTL_HTN.pptx
+++ b/BTL_HTN.pptx
@@ -10679,8 +10679,8 @@
         </p:nvSpPr>
         <p:spPr>
           <a:xfrm>
-            <a:off x="1855615" y="2071491"/>
-            <a:ext cx="5432770" cy="2169000"/>
+            <a:off x="1196788" y="2071491"/>
+            <a:ext cx="6441141" cy="2169000"/>
           </a:xfrm>
           <a:prstGeom prst="rect">
             <a:avLst/>
@@ -10756,7 +10756,7 @@
                 <a:latin typeface="Times New Roman" panose="02020603050405020304" pitchFamily="18" charset="0"/>
                 <a:cs typeface="Times New Roman" panose="02020603050405020304" pitchFamily="18" charset="0"/>
               </a:rPr>
-              <a:t>Trần Nghĩa Hiệp_2151195</a:t>
+              <a:t>Trần Đinh Nghĩa Hiệp_2151195</a:t>
             </a:r>
           </a:p>
           <a:p>
@@ -14320,7 +14320,15 @@
             </a:r>
             <a:r>
               <a:rPr lang="en" dirty="0"/>
-              <a:t>ề tài :</a:t>
+              <a:t>ề </a:t>
+            </a:r>
+            <a:r>
+              <a:rPr lang="en"/>
+              <a:t>tài : </a:t>
+            </a:r>
+            <a:r>
+              <a:rPr lang="en-US"/>
+              <a:t> Smartphone-Based Control of Common Electrical Devices</a:t>
             </a:r>
             <a:endParaRPr dirty="0"/>
           </a:p>
